--- a/課堂資料/Week_4/EC2_with_LAMP.pptx
+++ b/課堂資料/Week_4/EC2_with_LAMP.pptx
@@ -222,7 +222,7 @@
           <a:p>
             <a:fld id="{7165543F-1644-4562-94D8-2049F518984C}" type="datetimeFigureOut">
               <a:rPr lang="zh-TW" altLang="en-US" smtClean="0"/>
-              <a:t>2021/3/15</a:t>
+              <a:t>2021/3/20</a:t>
             </a:fld>
             <a:endParaRPr lang="zh-TW" altLang="en-US"/>
           </a:p>
@@ -14990,7 +14990,7 @@
         </p:nvSpPr>
         <p:spPr>
           <a:xfrm>
-            <a:off x="1203959" y="1311238"/>
+            <a:off x="1202201" y="1275808"/>
             <a:ext cx="9619093" cy="1289418"/>
           </a:xfrm>
         </p:spPr>
@@ -15010,303 +15010,6 @@
               <a:t>Amazon EC2 with LAMP Tutorial</a:t>
             </a:r>
             <a:endParaRPr lang="en-US" dirty="0">
-              <a:solidFill>
-                <a:schemeClr val="bg1"/>
-              </a:solidFill>
-              <a:latin typeface="+mj-lt"/>
-            </a:endParaRPr>
-          </a:p>
-        </p:txBody>
-      </p:sp>
-      <p:sp>
-        <p:nvSpPr>
-          <p:cNvPr id="4" name="Title 1">
-            <a:extLst>
-              <a:ext uri="{FF2B5EF4-FFF2-40B4-BE49-F238E27FC236}">
-                <a16:creationId xmlns:a16="http://schemas.microsoft.com/office/drawing/2014/main" id="{1B73138A-83D4-49A0-BBFD-B1FF9D3E5F9D}"/>
-              </a:ext>
-            </a:extLst>
-          </p:cNvPr>
-          <p:cNvSpPr txBox="1">
-            <a:spLocks/>
-          </p:cNvSpPr>
-          <p:nvPr/>
-        </p:nvSpPr>
-        <p:spPr>
-          <a:xfrm>
-            <a:off x="1204851" y="1311238"/>
-            <a:ext cx="9619093" cy="1289418"/>
-          </a:xfrm>
-          <a:prstGeom prst="rect">
-            <a:avLst/>
-          </a:prstGeom>
-          <a:noFill/>
-          <a:ln>
-            <a:noFill/>
-          </a:ln>
-        </p:spPr>
-        <p:txBody>
-          <a:bodyPr spcFirstLastPara="1" wrap="square" lIns="91425" tIns="45700" rIns="91425" bIns="45700" anchor="ctr" anchorCtr="0">
-            <a:normAutofit/>
-          </a:bodyPr>
-          <a:lstStyle>
-            <a:defPPr marR="0" lvl="0" algn="l" rtl="0">
-              <a:lnSpc>
-                <a:spcPct val="100000"/>
-              </a:lnSpc>
-              <a:spcBef>
-                <a:spcPts val="0"/>
-              </a:spcBef>
-              <a:spcAft>
-                <a:spcPts val="0"/>
-              </a:spcAft>
-            </a:defPPr>
-            <a:lvl1pPr marR="0" lvl="0" algn="l" rtl="0">
-              <a:lnSpc>
-                <a:spcPct val="90000"/>
-              </a:lnSpc>
-              <a:spcBef>
-                <a:spcPts val="0"/>
-              </a:spcBef>
-              <a:spcAft>
-                <a:spcPts val="0"/>
-              </a:spcAft>
-              <a:buClr>
-                <a:schemeClr val="dk1"/>
-              </a:buClr>
-              <a:buSzPts val="1800"/>
-              <a:buFont typeface="Calibri"/>
-              <a:buNone/>
-              <a:defRPr sz="4400" b="0" i="0" u="none" strike="noStrike" cap="none">
-                <a:solidFill>
-                  <a:schemeClr val="dk1"/>
-                </a:solidFill>
-                <a:latin typeface="Calibri"/>
-                <a:ea typeface="Calibri"/>
-                <a:cs typeface="Calibri"/>
-                <a:sym typeface="Calibri"/>
-              </a:defRPr>
-            </a:lvl1pPr>
-            <a:lvl2pPr marR="0" lvl="1" algn="l" rtl="0">
-              <a:lnSpc>
-                <a:spcPct val="100000"/>
-              </a:lnSpc>
-              <a:spcBef>
-                <a:spcPts val="0"/>
-              </a:spcBef>
-              <a:spcAft>
-                <a:spcPts val="0"/>
-              </a:spcAft>
-              <a:buClr>
-                <a:srgbClr val="000000"/>
-              </a:buClr>
-              <a:buSzPts val="1400"/>
-              <a:buFont typeface="Arial"/>
-              <a:buNone/>
-              <a:defRPr sz="1800" b="0" i="0" u="none" strike="noStrike" cap="none">
-                <a:solidFill>
-                  <a:srgbClr val="000000"/>
-                </a:solidFill>
-                <a:latin typeface="Arial"/>
-                <a:ea typeface="Arial"/>
-                <a:cs typeface="Arial"/>
-                <a:sym typeface="Arial"/>
-              </a:defRPr>
-            </a:lvl2pPr>
-            <a:lvl3pPr marR="0" lvl="2" algn="l" rtl="0">
-              <a:lnSpc>
-                <a:spcPct val="100000"/>
-              </a:lnSpc>
-              <a:spcBef>
-                <a:spcPts val="0"/>
-              </a:spcBef>
-              <a:spcAft>
-                <a:spcPts val="0"/>
-              </a:spcAft>
-              <a:buClr>
-                <a:srgbClr val="000000"/>
-              </a:buClr>
-              <a:buSzPts val="1400"/>
-              <a:buFont typeface="Arial"/>
-              <a:buNone/>
-              <a:defRPr sz="1800" b="0" i="0" u="none" strike="noStrike" cap="none">
-                <a:solidFill>
-                  <a:srgbClr val="000000"/>
-                </a:solidFill>
-                <a:latin typeface="Arial"/>
-                <a:ea typeface="Arial"/>
-                <a:cs typeface="Arial"/>
-                <a:sym typeface="Arial"/>
-              </a:defRPr>
-            </a:lvl3pPr>
-            <a:lvl4pPr marR="0" lvl="3" algn="l" rtl="0">
-              <a:lnSpc>
-                <a:spcPct val="100000"/>
-              </a:lnSpc>
-              <a:spcBef>
-                <a:spcPts val="0"/>
-              </a:spcBef>
-              <a:spcAft>
-                <a:spcPts val="0"/>
-              </a:spcAft>
-              <a:buClr>
-                <a:srgbClr val="000000"/>
-              </a:buClr>
-              <a:buSzPts val="1400"/>
-              <a:buFont typeface="Arial"/>
-              <a:buNone/>
-              <a:defRPr sz="1800" b="0" i="0" u="none" strike="noStrike" cap="none">
-                <a:solidFill>
-                  <a:srgbClr val="000000"/>
-                </a:solidFill>
-                <a:latin typeface="Arial"/>
-                <a:ea typeface="Arial"/>
-                <a:cs typeface="Arial"/>
-                <a:sym typeface="Arial"/>
-              </a:defRPr>
-            </a:lvl4pPr>
-            <a:lvl5pPr marR="0" lvl="4" algn="l" rtl="0">
-              <a:lnSpc>
-                <a:spcPct val="100000"/>
-              </a:lnSpc>
-              <a:spcBef>
-                <a:spcPts val="0"/>
-              </a:spcBef>
-              <a:spcAft>
-                <a:spcPts val="0"/>
-              </a:spcAft>
-              <a:buClr>
-                <a:srgbClr val="000000"/>
-              </a:buClr>
-              <a:buSzPts val="1400"/>
-              <a:buFont typeface="Arial"/>
-              <a:buNone/>
-              <a:defRPr sz="1800" b="0" i="0" u="none" strike="noStrike" cap="none">
-                <a:solidFill>
-                  <a:srgbClr val="000000"/>
-                </a:solidFill>
-                <a:latin typeface="Arial"/>
-                <a:ea typeface="Arial"/>
-                <a:cs typeface="Arial"/>
-                <a:sym typeface="Arial"/>
-              </a:defRPr>
-            </a:lvl5pPr>
-            <a:lvl6pPr marR="0" lvl="5" algn="l" rtl="0">
-              <a:lnSpc>
-                <a:spcPct val="100000"/>
-              </a:lnSpc>
-              <a:spcBef>
-                <a:spcPts val="0"/>
-              </a:spcBef>
-              <a:spcAft>
-                <a:spcPts val="0"/>
-              </a:spcAft>
-              <a:buClr>
-                <a:srgbClr val="000000"/>
-              </a:buClr>
-              <a:buSzPts val="1400"/>
-              <a:buFont typeface="Arial"/>
-              <a:buNone/>
-              <a:defRPr sz="1800" b="0" i="0" u="none" strike="noStrike" cap="none">
-                <a:solidFill>
-                  <a:srgbClr val="000000"/>
-                </a:solidFill>
-                <a:latin typeface="Arial"/>
-                <a:ea typeface="Arial"/>
-                <a:cs typeface="Arial"/>
-                <a:sym typeface="Arial"/>
-              </a:defRPr>
-            </a:lvl6pPr>
-            <a:lvl7pPr marR="0" lvl="6" algn="l" rtl="0">
-              <a:lnSpc>
-                <a:spcPct val="100000"/>
-              </a:lnSpc>
-              <a:spcBef>
-                <a:spcPts val="0"/>
-              </a:spcBef>
-              <a:spcAft>
-                <a:spcPts val="0"/>
-              </a:spcAft>
-              <a:buClr>
-                <a:srgbClr val="000000"/>
-              </a:buClr>
-              <a:buSzPts val="1400"/>
-              <a:buFont typeface="Arial"/>
-              <a:buNone/>
-              <a:defRPr sz="1800" b="0" i="0" u="none" strike="noStrike" cap="none">
-                <a:solidFill>
-                  <a:srgbClr val="000000"/>
-                </a:solidFill>
-                <a:latin typeface="Arial"/>
-                <a:ea typeface="Arial"/>
-                <a:cs typeface="Arial"/>
-                <a:sym typeface="Arial"/>
-              </a:defRPr>
-            </a:lvl7pPr>
-            <a:lvl8pPr marR="0" lvl="7" algn="l" rtl="0">
-              <a:lnSpc>
-                <a:spcPct val="100000"/>
-              </a:lnSpc>
-              <a:spcBef>
-                <a:spcPts val="0"/>
-              </a:spcBef>
-              <a:spcAft>
-                <a:spcPts val="0"/>
-              </a:spcAft>
-              <a:buClr>
-                <a:srgbClr val="000000"/>
-              </a:buClr>
-              <a:buSzPts val="1400"/>
-              <a:buFont typeface="Arial"/>
-              <a:buNone/>
-              <a:defRPr sz="1800" b="0" i="0" u="none" strike="noStrike" cap="none">
-                <a:solidFill>
-                  <a:srgbClr val="000000"/>
-                </a:solidFill>
-                <a:latin typeface="Arial"/>
-                <a:ea typeface="Arial"/>
-                <a:cs typeface="Arial"/>
-                <a:sym typeface="Arial"/>
-              </a:defRPr>
-            </a:lvl8pPr>
-            <a:lvl9pPr marR="0" lvl="8" algn="l" rtl="0">
-              <a:lnSpc>
-                <a:spcPct val="100000"/>
-              </a:lnSpc>
-              <a:spcBef>
-                <a:spcPts val="0"/>
-              </a:spcBef>
-              <a:spcAft>
-                <a:spcPts val="0"/>
-              </a:spcAft>
-              <a:buClr>
-                <a:srgbClr val="000000"/>
-              </a:buClr>
-              <a:buSzPts val="1400"/>
-              <a:buFont typeface="Arial"/>
-              <a:buNone/>
-              <a:defRPr sz="1800" b="0" i="0" u="none" strike="noStrike" cap="none">
-                <a:solidFill>
-                  <a:srgbClr val="000000"/>
-                </a:solidFill>
-                <a:latin typeface="Arial"/>
-                <a:ea typeface="Arial"/>
-                <a:cs typeface="Arial"/>
-                <a:sym typeface="Arial"/>
-              </a:defRPr>
-            </a:lvl9pPr>
-          </a:lstStyle>
-          <a:p>
-            <a:r>
-              <a:rPr lang="en-MY" kern="0">
-                <a:solidFill>
-                  <a:schemeClr val="bg1"/>
-                </a:solidFill>
-                <a:latin typeface="+mj-lt"/>
-              </a:rPr>
-              <a:t>Amazon EC2 with LAMP Tutorial</a:t>
-            </a:r>
-            <a:endParaRPr lang="en-US" kern="0" dirty="0">
               <a:solidFill>
                 <a:schemeClr val="bg1"/>
               </a:solidFill>
@@ -19048,7 +18751,7 @@
               <a:defRPr/>
             </a:pPr>
             <a:r>
-              <a:rPr kumimoji="0" lang="en-US" sz="5400" b="0" i="0" u="none" strike="noStrike" kern="0" cap="none" spc="0" normalizeH="0" baseline="0" noProof="0">
+              <a:rPr kumimoji="0" lang="en-US" sz="5400" b="0" i="0" u="none" strike="noStrike" kern="0" cap="none" spc="0" normalizeH="0" baseline="0" noProof="0" dirty="0" err="1">
                 <a:ln>
                   <a:noFill/>
                 </a:ln>
@@ -19063,10 +18766,28 @@
                 <a:cs typeface="Arial"/>
                 <a:sym typeface="Arial"/>
               </a:rPr>
-              <a:t>作業 2: </a:t>
+              <a:t>作業</a:t>
             </a:r>
             <a:r>
-              <a:rPr kumimoji="0" lang="en-US" sz="3200" b="0" i="0" u="none" strike="noStrike" kern="0" cap="none" spc="0" normalizeH="0" baseline="0" noProof="0">
+              <a:rPr kumimoji="0" lang="en-US" sz="5400" b="0" i="0" u="none" strike="noStrike" kern="0" cap="none" spc="0" normalizeH="0" baseline="0" noProof="0" dirty="0">
+                <a:ln>
+                  <a:noFill/>
+                </a:ln>
+                <a:solidFill>
+                  <a:srgbClr val="FFFFFF"/>
+                </a:solidFill>
+                <a:effectLst/>
+                <a:uLnTx/>
+                <a:uFillTx/>
+                <a:latin typeface="Arial"/>
+                <a:ea typeface="Arial"/>
+                <a:cs typeface="Arial"/>
+                <a:sym typeface="Arial"/>
+              </a:rPr>
+              <a:t> 2: </a:t>
+            </a:r>
+            <a:r>
+              <a:rPr kumimoji="0" lang="en-US" sz="3200" b="0" i="0" u="none" strike="noStrike" kern="0" cap="none" spc="0" normalizeH="0" baseline="0" noProof="0" dirty="0">
                 <a:ln>
                   <a:noFill/>
                 </a:ln>
@@ -19083,7 +18804,7 @@
               </a:rPr>
               <a:t>Build a Website using Amazon EC2 with LAMP</a:t>
             </a:r>
-            <a:endParaRPr kumimoji="0" sz="5400" b="0" i="0" u="none" strike="noStrike" kern="0" cap="none" spc="0" normalizeH="0" baseline="0" noProof="0">
+            <a:endParaRPr kumimoji="0" sz="5400" b="0" i="0" u="none" strike="noStrike" kern="0" cap="none" spc="0" normalizeH="0" baseline="0" noProof="0" dirty="0">
               <a:ln>
                 <a:noFill/>
               </a:ln>
@@ -19573,7 +19294,7 @@
               <a:defRPr/>
             </a:pPr>
             <a:r>
-              <a:rPr kumimoji="0" lang="en-US" sz="4000" b="0" i="0" u="none" strike="noStrike" kern="0" cap="none" spc="0" normalizeH="0" baseline="0" noProof="0">
+              <a:rPr kumimoji="0" lang="en-US" sz="4000" b="0" i="0" u="none" strike="noStrike" kern="0" cap="none" spc="0" normalizeH="0" baseline="0" noProof="0" dirty="0" err="1">
                 <a:ln>
                   <a:noFill/>
                 </a:ln>
@@ -19591,7 +19312,7 @@
               <a:t>說明</a:t>
             </a:r>
             <a:r>
-              <a:rPr kumimoji="0" lang="en-US" sz="2800" b="0" i="0" u="none" strike="noStrike" kern="0" cap="none" spc="0" normalizeH="0" baseline="0" noProof="0">
+              <a:rPr kumimoji="0" lang="en-US" sz="2800" b="0" i="0" u="none" strike="noStrike" kern="0" cap="none" spc="0" normalizeH="0" baseline="0" noProof="0" dirty="0">
                 <a:ln>
                   <a:noFill/>
                 </a:ln>
@@ -19608,7 +19329,7 @@
               </a:rPr>
               <a:t>：</a:t>
             </a:r>
-            <a:endParaRPr kumimoji="0" sz="2800" b="0" i="0" u="none" strike="noStrike" kern="0" cap="none" spc="0" normalizeH="0" baseline="0" noProof="0">
+            <a:endParaRPr kumimoji="0" sz="2800" b="0" i="0" u="none" strike="noStrike" kern="0" cap="none" spc="0" normalizeH="0" baseline="0" noProof="0" dirty="0">
               <a:ln>
                 <a:noFill/>
               </a:ln>
@@ -19645,7 +19366,7 @@
               <a:defRPr/>
             </a:pPr>
             <a:r>
-              <a:rPr kumimoji="0" lang="en-US" sz="2800" b="0" i="0" u="none" strike="noStrike" kern="0" cap="none" spc="0" normalizeH="0" baseline="0" noProof="0">
+              <a:rPr kumimoji="0" lang="en-US" sz="2800" b="0" i="0" u="none" strike="noStrike" kern="0" cap="none" spc="0" normalizeH="0" baseline="0" noProof="0" dirty="0" err="1">
                 <a:ln>
                   <a:noFill/>
                 </a:ln>
@@ -19660,9 +19381,135 @@
                 <a:cs typeface="Arial"/>
                 <a:sym typeface="Arial"/>
               </a:rPr>
-              <a:t>在完成第 2 堂雲端服務課程後，藉由 Linux 2 虛擬機完成安裝 LAMP 解決方案包，並成功啟動網頁伺服器與資料庫伺服器的功能。</a:t>
+              <a:t>在完成第</a:t>
             </a:r>
-            <a:endParaRPr kumimoji="0" sz="2800" b="0" i="0" u="none" strike="noStrike" kern="0" cap="none" spc="0" normalizeH="0" baseline="0" noProof="0">
+            <a:r>
+              <a:rPr kumimoji="0" lang="en-US" sz="2800" b="0" i="0" u="none" strike="noStrike" kern="0" cap="none" spc="0" normalizeH="0" baseline="0" noProof="0" dirty="0">
+                <a:ln>
+                  <a:noFill/>
+                </a:ln>
+                <a:solidFill>
+                  <a:srgbClr val="FFFFFF"/>
+                </a:solidFill>
+                <a:effectLst/>
+                <a:uLnTx/>
+                <a:uFillTx/>
+                <a:latin typeface="Arial"/>
+                <a:ea typeface="Arial"/>
+                <a:cs typeface="Arial"/>
+                <a:sym typeface="Arial"/>
+              </a:rPr>
+              <a:t> 2 </a:t>
+            </a:r>
+            <a:r>
+              <a:rPr kumimoji="0" lang="en-US" sz="2800" b="0" i="0" u="none" strike="noStrike" kern="0" cap="none" spc="0" normalizeH="0" baseline="0" noProof="0" dirty="0" err="1">
+                <a:ln>
+                  <a:noFill/>
+                </a:ln>
+                <a:solidFill>
+                  <a:srgbClr val="FFFFFF"/>
+                </a:solidFill>
+                <a:effectLst/>
+                <a:uLnTx/>
+                <a:uFillTx/>
+                <a:latin typeface="Arial"/>
+                <a:ea typeface="Arial"/>
+                <a:cs typeface="Arial"/>
+                <a:sym typeface="Arial"/>
+              </a:rPr>
+              <a:t>堂雲端服務課程後，藉由</a:t>
+            </a:r>
+            <a:r>
+              <a:rPr kumimoji="0" lang="en-US" sz="2800" b="0" i="0" u="none" strike="noStrike" kern="0" cap="none" spc="0" normalizeH="0" baseline="0" noProof="0" dirty="0">
+                <a:ln>
+                  <a:noFill/>
+                </a:ln>
+                <a:solidFill>
+                  <a:srgbClr val="FFFFFF"/>
+                </a:solidFill>
+                <a:effectLst/>
+                <a:uLnTx/>
+                <a:uFillTx/>
+                <a:latin typeface="Arial"/>
+                <a:ea typeface="Arial"/>
+                <a:cs typeface="Arial"/>
+                <a:sym typeface="Arial"/>
+              </a:rPr>
+              <a:t> Linux 2 </a:t>
+            </a:r>
+            <a:r>
+              <a:rPr kumimoji="0" lang="en-US" sz="2800" b="0" i="0" u="none" strike="noStrike" kern="0" cap="none" spc="0" normalizeH="0" baseline="0" noProof="0" dirty="0" err="1">
+                <a:ln>
+                  <a:noFill/>
+                </a:ln>
+                <a:solidFill>
+                  <a:srgbClr val="FFFFFF"/>
+                </a:solidFill>
+                <a:effectLst/>
+                <a:uLnTx/>
+                <a:uFillTx/>
+                <a:latin typeface="Arial"/>
+                <a:ea typeface="Arial"/>
+                <a:cs typeface="Arial"/>
+                <a:sym typeface="Arial"/>
+              </a:rPr>
+              <a:t>虛擬機完成安裝</a:t>
+            </a:r>
+            <a:r>
+              <a:rPr kumimoji="0" lang="en-US" sz="2800" b="0" i="0" u="none" strike="noStrike" kern="0" cap="none" spc="0" normalizeH="0" baseline="0" noProof="0" dirty="0">
+                <a:ln>
+                  <a:noFill/>
+                </a:ln>
+                <a:solidFill>
+                  <a:srgbClr val="FFFFFF"/>
+                </a:solidFill>
+                <a:effectLst/>
+                <a:uLnTx/>
+                <a:uFillTx/>
+                <a:latin typeface="Arial"/>
+                <a:ea typeface="Arial"/>
+                <a:cs typeface="Arial"/>
+                <a:sym typeface="Arial"/>
+              </a:rPr>
+              <a:t> LAMP </a:t>
+            </a:r>
+            <a:r>
+              <a:rPr kumimoji="0" lang="en-US" sz="2800" b="0" i="0" u="none" strike="noStrike" kern="0" cap="none" spc="0" normalizeH="0" baseline="0" noProof="0" dirty="0" err="1">
+                <a:ln>
+                  <a:noFill/>
+                </a:ln>
+                <a:solidFill>
+                  <a:srgbClr val="FFFFFF"/>
+                </a:solidFill>
+                <a:effectLst/>
+                <a:uLnTx/>
+                <a:uFillTx/>
+                <a:latin typeface="Arial"/>
+                <a:ea typeface="Arial"/>
+                <a:cs typeface="Arial"/>
+                <a:sym typeface="Arial"/>
+              </a:rPr>
+              <a:t>解決方案包，並成功啟動網頁伺服器與資料庫伺服器的功能</a:t>
+            </a:r>
+            <a:r>
+              <a:rPr kumimoji="0" lang="en-US" sz="2800" b="0" i="0" u="none" strike="noStrike" kern="0" cap="none" spc="0" normalizeH="0" baseline="0" noProof="0" dirty="0">
+                <a:ln>
+                  <a:noFill/>
+                </a:ln>
+                <a:solidFill>
+                  <a:srgbClr val="FFFFFF"/>
+                </a:solidFill>
+                <a:effectLst/>
+                <a:uLnTx/>
+                <a:uFillTx/>
+                <a:latin typeface="Arial"/>
+                <a:ea typeface="Arial"/>
+                <a:cs typeface="Arial"/>
+                <a:sym typeface="Arial"/>
+              </a:rPr>
+              <a:t>。</a:t>
+            </a:r>
+            <a:endParaRPr kumimoji="0" sz="2800" b="0" i="0" u="none" strike="noStrike" kern="0" cap="none" spc="0" normalizeH="0" baseline="0" noProof="0" dirty="0">
               <a:ln>
                 <a:noFill/>
               </a:ln>
@@ -19699,7 +19546,7 @@
               <a:defRPr/>
             </a:pPr>
             <a:r>
-              <a:rPr kumimoji="0" lang="en-US" sz="2800" b="0" i="0" u="none" strike="noStrike" kern="0" cap="none" spc="0" normalizeH="0" baseline="0" noProof="0">
+              <a:rPr kumimoji="0" lang="en-US" sz="2800" b="0" i="0" u="none" strike="noStrike" kern="0" cap="none" spc="0" normalizeH="0" baseline="0" noProof="0" dirty="0">
                 <a:ln>
                   <a:noFill/>
                 </a:ln>
@@ -19714,9 +19561,45 @@
                 <a:cs typeface="Arial"/>
                 <a:sym typeface="Arial"/>
               </a:rPr>
-              <a:t>*** 別忘了過程中說明與解釋您的操作步驟。</a:t>
+              <a:t>*** </a:t>
             </a:r>
-            <a:endParaRPr kumimoji="0" sz="2800" b="0" i="0" u="none" strike="noStrike" kern="0" cap="none" spc="0" normalizeH="0" baseline="0" noProof="0">
+            <a:r>
+              <a:rPr kumimoji="0" lang="en-US" sz="2800" b="0" i="0" u="none" strike="noStrike" kern="0" cap="none" spc="0" normalizeH="0" baseline="0" noProof="0" dirty="0" err="1">
+                <a:ln>
+                  <a:noFill/>
+                </a:ln>
+                <a:solidFill>
+                  <a:srgbClr val="FFFFFF"/>
+                </a:solidFill>
+                <a:effectLst/>
+                <a:uLnTx/>
+                <a:uFillTx/>
+                <a:latin typeface="Arial"/>
+                <a:ea typeface="Arial"/>
+                <a:cs typeface="Arial"/>
+                <a:sym typeface="Arial"/>
+              </a:rPr>
+              <a:t>別忘了過程中說明與解釋您的操作步驟</a:t>
+            </a:r>
+            <a:r>
+              <a:rPr kumimoji="0" lang="en-US" sz="2800" b="0" i="0" u="none" strike="noStrike" kern="0" cap="none" spc="0" normalizeH="0" baseline="0" noProof="0" dirty="0">
+                <a:ln>
+                  <a:noFill/>
+                </a:ln>
+                <a:solidFill>
+                  <a:srgbClr val="FFFFFF"/>
+                </a:solidFill>
+                <a:effectLst/>
+                <a:uLnTx/>
+                <a:uFillTx/>
+                <a:latin typeface="Arial"/>
+                <a:ea typeface="Arial"/>
+                <a:cs typeface="Arial"/>
+                <a:sym typeface="Arial"/>
+              </a:rPr>
+              <a:t>。</a:t>
+            </a:r>
+            <a:endParaRPr kumimoji="0" sz="2800" b="0" i="0" u="none" strike="noStrike" kern="0" cap="none" spc="0" normalizeH="0" baseline="0" noProof="0" dirty="0">
               <a:ln>
                 <a:noFill/>
               </a:ln>
